--- a/07. Principios SOLID - DIP.pptx
+++ b/07. Principios SOLID - DIP.pptx
@@ -145,7 +145,7 @@
       </p14:sectionLst>
     </p:ext>
     <p:ext uri="{EFAFB233-063F-42B5-8137-9DF3F51BA10A}">
-      <p15:sldGuideLst xmlns="" xmlns:p15="http://schemas.microsoft.com/office/powerpoint/2012/main">
+      <p15:sldGuideLst xmlns:p15="http://schemas.microsoft.com/office/powerpoint/2012/main" xmlns="">
         <p15:guide id="1" orient="horz" pos="2160">
           <p15:clr>
             <a:srgbClr val="A4A3A4"/>
@@ -244,7 +244,7 @@
           <a:p>
             <a:fld id="{1B113009-E86D-4EAD-B57C-C146F81250E7}" type="datetimeFigureOut">
               <a:rPr lang="es-AR" smtClean="0"/>
-              <a:t>3/4/15</a:t>
+              <a:t>16/4/15</a:t>
             </a:fld>
             <a:endParaRPr lang="es-AR"/>
           </a:p>
@@ -411,7 +411,7 @@
           <a:p>
             <a:fld id="{052CBB1C-CCF2-4176-B982-0B59C5DF6987}" type="datetimeFigureOut">
               <a:rPr lang="es-ES"/>
-              <a:t>3/4/15</a:t>
+              <a:t>16/4/15</a:t>
             </a:fld>
             <a:endParaRPr lang="es-ES"/>
           </a:p>
@@ -2659,7 +2659,7 @@
           <a:p>
             <a:fld id="{7F2F4D8C-20FA-7642-8959-B5EC559C97DC}" type="datetime1">
               <a:rPr lang="es-AR" smtClean="0"/>
-              <a:t>3/4/15</a:t>
+              <a:t>16/4/15</a:t>
             </a:fld>
             <a:endParaRPr lang="es-ES"/>
           </a:p>
@@ -2850,7 +2850,7 @@
           <a:p>
             <a:fld id="{44F52F91-67E8-2A4E-8A34-AC5B04A0B58D}" type="datetime1">
               <a:rPr lang="es-AR" smtClean="0"/>
-              <a:t>3/4/15</a:t>
+              <a:t>16/4/15</a:t>
             </a:fld>
             <a:endParaRPr lang="es-ES"/>
           </a:p>
@@ -3011,7 +3011,7 @@
           <a:p>
             <a:fld id="{FF91E287-16ED-AE4E-9FD4-697663583CA4}" type="datetime1">
               <a:rPr lang="es-AR" smtClean="0"/>
-              <a:t>3/4/15</a:t>
+              <a:t>16/4/15</a:t>
             </a:fld>
             <a:endParaRPr lang="es-ES"/>
           </a:p>
@@ -4847,7 +4847,7 @@
           <a:p>
             <a:fld id="{8A7DDD21-E3A8-654E-B585-CA2730D2BBE6}" type="datetime1">
               <a:rPr lang="es-AR" smtClean="0"/>
-              <a:t>3/4/15</a:t>
+              <a:t>16/4/15</a:t>
             </a:fld>
             <a:endParaRPr lang="es-ES"/>
           </a:p>
@@ -6727,7 +6727,7 @@
           <a:p>
             <a:fld id="{FDF0DDE1-1246-8646-B44C-34CD535E53D5}" type="datetime1">
               <a:rPr lang="es-AR" smtClean="0"/>
-              <a:t>3/4/15</a:t>
+              <a:t>16/4/15</a:t>
             </a:fld>
             <a:endParaRPr lang="es-ES"/>
           </a:p>
@@ -6850,7 +6850,7 @@
           <a:p>
             <a:fld id="{61F88783-C863-014A-A635-A9759CC558CB}" type="datetime1">
               <a:rPr lang="es-AR" smtClean="0"/>
-              <a:t>3/4/15</a:t>
+              <a:t>16/4/15</a:t>
             </a:fld>
             <a:endParaRPr lang="es-ES"/>
           </a:p>
@@ -7401,7 +7401,7 @@
           <a:p>
             <a:fld id="{D2AC86D6-B752-6E4B-83B7-747A68D15107}" type="datetime1">
               <a:rPr lang="es-AR" smtClean="0"/>
-              <a:t>3/4/15</a:t>
+              <a:t>16/4/15</a:t>
             </a:fld>
             <a:endParaRPr lang="es-ES"/>
           </a:p>
@@ -7524,7 +7524,7 @@
           <a:p>
             <a:fld id="{A9C83B45-9326-DC47-9E4F-7A55A1AD636B}" type="datetime1">
               <a:rPr lang="es-AR" smtClean="0"/>
-              <a:t>3/4/15</a:t>
+              <a:t>16/4/15</a:t>
             </a:fld>
             <a:endParaRPr lang="es-ES"/>
           </a:p>
@@ -9245,7 +9245,7 @@
           <a:p>
             <a:fld id="{093C849F-CC09-A547-9577-1ACDC4087986}" type="datetime1">
               <a:rPr lang="es-AR" smtClean="0"/>
-              <a:t>3/4/15</a:t>
+              <a:t>16/4/15</a:t>
             </a:fld>
             <a:endParaRPr lang="es-ES"/>
           </a:p>
@@ -9406,7 +9406,7 @@
           <a:p>
             <a:fld id="{6A89756F-D3B2-4646-AEEB-AF7E1CD181F7}" type="datetime1">
               <a:rPr lang="es-AR" smtClean="0"/>
-              <a:t>3/4/15</a:t>
+              <a:t>16/4/15</a:t>
             </a:fld>
             <a:endParaRPr lang="es-ES"/>
           </a:p>
@@ -13031,7 +13031,7 @@
           <a:p>
             <a:fld id="{677485A5-8919-834C-AF34-4BC8DA1D37D8}" type="datetime1">
               <a:rPr lang="es-AR" smtClean="0"/>
-              <a:t>3/4/15</a:t>
+              <a:t>16/4/15</a:t>
             </a:fld>
             <a:endParaRPr lang="es-ES"/>
           </a:p>
@@ -14900,7 +14900,7 @@
           <a:p>
             <a:fld id="{4B8C81EF-D820-5540-950E-1E4B4EE516F3}" type="datetime1">
               <a:rPr lang="es-AR" smtClean="0"/>
-              <a:t>3/4/15</a:t>
+              <a:t>16/4/15</a:t>
             </a:fld>
             <a:endParaRPr lang="es-ES"/>
           </a:p>
@@ -15731,6 +15731,13 @@
   <p:clrMapOvr>
     <a:masterClrMapping/>
   </p:clrMapOvr>
+  <p:timing>
+    <p:tnLst>
+      <p:par>
+        <p:cTn xmlns:p14="http://schemas.microsoft.com/office/powerpoint/2010/main" id="1" dur="indefinite" restart="never" nodeType="tmRoot"/>
+      </p:par>
+    </p:tnLst>
+  </p:timing>
 </p:sld>
 </file>
 
@@ -16015,6 +16022,13 @@
   <p:clrMapOvr>
     <a:masterClrMapping/>
   </p:clrMapOvr>
+  <p:timing>
+    <p:tnLst>
+      <p:par>
+        <p:cTn xmlns:p14="http://schemas.microsoft.com/office/powerpoint/2010/main" id="1" dur="indefinite" restart="never" nodeType="tmRoot"/>
+      </p:par>
+    </p:tnLst>
+  </p:timing>
 </p:sld>
 </file>
 
@@ -16145,7 +16159,15 @@
             </a:r>
             <a:r>
               <a:rPr lang="es-ES" dirty="0"/>
-              <a:t>y detalles están aisladas unas de otras , el código es mucho más fácil de mantener.</a:t>
+              <a:t>y detalles están </a:t>
+            </a:r>
+            <a:r>
+              <a:rPr lang="es-ES" dirty="0" smtClean="0"/>
+              <a:t>aislados unos </a:t>
+            </a:r>
+            <a:r>
+              <a:rPr lang="es-ES" dirty="0"/>
+              <a:t>de otras , el código es mucho más fácil de mantener.</a:t>
             </a:r>
           </a:p>
           <a:p>
@@ -16210,6 +16232,13 @@
   <p:clrMapOvr>
     <a:masterClrMapping/>
   </p:clrMapOvr>
+  <p:timing>
+    <p:tnLst>
+      <p:par>
+        <p:cTn xmlns:p14="http://schemas.microsoft.com/office/powerpoint/2010/main" id="1" dur="indefinite" restart="never" nodeType="tmRoot"/>
+      </p:par>
+    </p:tnLst>
+  </p:timing>
 </p:sld>
 </file>
 
@@ -16278,44 +16307,13 @@
       </p:sp>
       <p:sp>
         <p:nvSpPr>
-          <p:cNvPr id="5" name="2 CuadroTexto"/>
-          <p:cNvSpPr txBox="1"/>
-          <p:nvPr/>
-        </p:nvSpPr>
-        <p:spPr>
-          <a:xfrm>
-            <a:off x="1259632" y="2492896"/>
-            <a:ext cx="6571942" cy="1107996"/>
-          </a:xfrm>
-          <a:prstGeom prst="rect">
-            <a:avLst/>
-          </a:prstGeom>
-          <a:noFill/>
-        </p:spPr>
-        <p:txBody>
-          <a:bodyPr wrap="square" rtlCol="0">
-            <a:spAutoFit/>
-          </a:bodyPr>
-          <a:lstStyle/>
-          <a:p>
-            <a:pPr algn="ctr"/>
-            <a:r>
-              <a:rPr lang="es-AR" sz="6600" dirty="0" smtClean="0"/>
-              <a:t>ABSTRACCION</a:t>
-            </a:r>
-            <a:endParaRPr lang="es-AR" sz="6600" dirty="0"/>
-          </a:p>
-        </p:txBody>
-      </p:sp>
-      <p:sp>
-        <p:nvSpPr>
           <p:cNvPr id="6" name="3 CuadroTexto"/>
           <p:cNvSpPr txBox="1"/>
           <p:nvPr/>
         </p:nvSpPr>
         <p:spPr>
           <a:xfrm>
-            <a:off x="1115616" y="4725144"/>
+            <a:off x="1187624" y="3140968"/>
             <a:ext cx="6859974" cy="1107996"/>
           </a:xfrm>
           <a:prstGeom prst="rect">
@@ -16331,7 +16329,7 @@
           <a:p>
             <a:pPr algn="ctr"/>
             <a:r>
-              <a:rPr lang="es-AR" sz="6600" smtClean="0"/>
+              <a:rPr lang="es-AR" sz="6600" dirty="0" smtClean="0"/>
               <a:t>ACOPLAMIENTO</a:t>
             </a:r>
             <a:endParaRPr lang="es-AR" sz="6600" dirty="0"/>
@@ -16372,6 +16370,13 @@
   <p:clrMapOvr>
     <a:masterClrMapping/>
   </p:clrMapOvr>
+  <p:timing>
+    <p:tnLst>
+      <p:par>
+        <p:cTn xmlns:p14="http://schemas.microsoft.com/office/powerpoint/2010/main" id="1" dur="indefinite" restart="never" nodeType="tmRoot"/>
+      </p:par>
+    </p:tnLst>
+  </p:timing>
 </p:sld>
 </file>
 
@@ -16530,6 +16535,13 @@
   <p:clrMapOvr>
     <a:masterClrMapping/>
   </p:clrMapOvr>
+  <p:timing>
+    <p:tnLst>
+      <p:par>
+        <p:cTn xmlns:p14="http://schemas.microsoft.com/office/powerpoint/2010/main" id="1" dur="indefinite" restart="never" nodeType="tmRoot"/>
+      </p:par>
+    </p:tnLst>
+  </p:timing>
 </p:sld>
 </file>
 
@@ -16743,6 +16755,232 @@
   <p:clrMapOvr>
     <a:masterClrMapping/>
   </p:clrMapOvr>
+  <p:timing>
+    <p:tnLst>
+      <p:par>
+        <p:cTn xmlns:p14="http://schemas.microsoft.com/office/powerpoint/2010/main" id="1" dur="indefinite" restart="never" nodeType="tmRoot">
+          <p:childTnLst>
+            <p:seq concurrent="1" nextAc="seek">
+              <p:cTn id="2" dur="indefinite" nodeType="mainSeq">
+                <p:childTnLst>
+                  <p:par>
+                    <p:cTn id="3" fill="hold">
+                      <p:stCondLst>
+                        <p:cond delay="indefinite"/>
+                      </p:stCondLst>
+                      <p:childTnLst>
+                        <p:par>
+                          <p:cTn id="4" fill="hold">
+                            <p:stCondLst>
+                              <p:cond delay="0"/>
+                            </p:stCondLst>
+                            <p:childTnLst>
+                              <p:par>
+                                <p:cTn id="5" presetID="1" presetClass="entr" presetSubtype="0" fill="hold" nodeType="clickEffect">
+                                  <p:stCondLst>
+                                    <p:cond delay="0"/>
+                                  </p:stCondLst>
+                                  <p:childTnLst>
+                                    <p:set>
+                                      <p:cBhvr>
+                                        <p:cTn id="6" dur="1" fill="hold">
+                                          <p:stCondLst>
+                                            <p:cond delay="0"/>
+                                          </p:stCondLst>
+                                        </p:cTn>
+                                        <p:tgtEl>
+                                          <p:spTgt spid="3">
+                                            <p:txEl>
+                                              <p:pRg st="4" end="4"/>
+                                            </p:txEl>
+                                          </p:spTgt>
+                                        </p:tgtEl>
+                                        <p:attrNameLst>
+                                          <p:attrName>style.visibility</p:attrName>
+                                        </p:attrNameLst>
+                                      </p:cBhvr>
+                                      <p:to>
+                                        <p:strVal val="visible"/>
+                                      </p:to>
+                                    </p:set>
+                                  </p:childTnLst>
+                                </p:cTn>
+                              </p:par>
+                            </p:childTnLst>
+                          </p:cTn>
+                        </p:par>
+                      </p:childTnLst>
+                    </p:cTn>
+                  </p:par>
+                  <p:par>
+                    <p:cTn id="7" fill="hold">
+                      <p:stCondLst>
+                        <p:cond delay="indefinite"/>
+                      </p:stCondLst>
+                      <p:childTnLst>
+                        <p:par>
+                          <p:cTn id="8" fill="hold">
+                            <p:stCondLst>
+                              <p:cond delay="0"/>
+                            </p:stCondLst>
+                            <p:childTnLst>
+                              <p:par>
+                                <p:cTn id="9" presetID="1" presetClass="entr" presetSubtype="0" fill="hold" nodeType="clickEffect">
+                                  <p:stCondLst>
+                                    <p:cond delay="0"/>
+                                  </p:stCondLst>
+                                  <p:childTnLst>
+                                    <p:set>
+                                      <p:cBhvr>
+                                        <p:cTn id="10" dur="1" fill="hold">
+                                          <p:stCondLst>
+                                            <p:cond delay="0"/>
+                                          </p:stCondLst>
+                                        </p:cTn>
+                                        <p:tgtEl>
+                                          <p:spTgt spid="3">
+                                            <p:txEl>
+                                              <p:pRg st="5" end="5"/>
+                                            </p:txEl>
+                                          </p:spTgt>
+                                        </p:tgtEl>
+                                        <p:attrNameLst>
+                                          <p:attrName>style.visibility</p:attrName>
+                                        </p:attrNameLst>
+                                      </p:cBhvr>
+                                      <p:to>
+                                        <p:strVal val="visible"/>
+                                      </p:to>
+                                    </p:set>
+                                  </p:childTnLst>
+                                </p:cTn>
+                              </p:par>
+                            </p:childTnLst>
+                          </p:cTn>
+                        </p:par>
+                      </p:childTnLst>
+                    </p:cTn>
+                  </p:par>
+                  <p:par>
+                    <p:cTn id="11" fill="hold">
+                      <p:stCondLst>
+                        <p:cond delay="indefinite"/>
+                      </p:stCondLst>
+                      <p:childTnLst>
+                        <p:par>
+                          <p:cTn id="12" fill="hold">
+                            <p:stCondLst>
+                              <p:cond delay="0"/>
+                            </p:stCondLst>
+                            <p:childTnLst>
+                              <p:par>
+                                <p:cTn id="13" presetID="1" presetClass="entr" presetSubtype="0" fill="hold" nodeType="clickEffect">
+                                  <p:stCondLst>
+                                    <p:cond delay="0"/>
+                                  </p:stCondLst>
+                                  <p:childTnLst>
+                                    <p:set>
+                                      <p:cBhvr>
+                                        <p:cTn id="14" dur="1" fill="hold">
+                                          <p:stCondLst>
+                                            <p:cond delay="0"/>
+                                          </p:stCondLst>
+                                        </p:cTn>
+                                        <p:tgtEl>
+                                          <p:spTgt spid="3">
+                                            <p:txEl>
+                                              <p:pRg st="7" end="7"/>
+                                            </p:txEl>
+                                          </p:spTgt>
+                                        </p:tgtEl>
+                                        <p:attrNameLst>
+                                          <p:attrName>style.visibility</p:attrName>
+                                        </p:attrNameLst>
+                                      </p:cBhvr>
+                                      <p:to>
+                                        <p:strVal val="visible"/>
+                                      </p:to>
+                                    </p:set>
+                                  </p:childTnLst>
+                                </p:cTn>
+                              </p:par>
+                            </p:childTnLst>
+                          </p:cTn>
+                        </p:par>
+                      </p:childTnLst>
+                    </p:cTn>
+                  </p:par>
+                  <p:par>
+                    <p:cTn id="15" fill="hold">
+                      <p:stCondLst>
+                        <p:cond delay="indefinite"/>
+                      </p:stCondLst>
+                      <p:childTnLst>
+                        <p:par>
+                          <p:cTn id="16" fill="hold">
+                            <p:stCondLst>
+                              <p:cond delay="0"/>
+                            </p:stCondLst>
+                            <p:childTnLst>
+                              <p:par>
+                                <p:cTn id="17" presetID="1" presetClass="entr" presetSubtype="0" fill="hold" nodeType="clickEffect">
+                                  <p:stCondLst>
+                                    <p:cond delay="0"/>
+                                  </p:stCondLst>
+                                  <p:childTnLst>
+                                    <p:set>
+                                      <p:cBhvr>
+                                        <p:cTn id="18" dur="1" fill="hold">
+                                          <p:stCondLst>
+                                            <p:cond delay="0"/>
+                                          </p:stCondLst>
+                                        </p:cTn>
+                                        <p:tgtEl>
+                                          <p:spTgt spid="3">
+                                            <p:txEl>
+                                              <p:pRg st="9" end="9"/>
+                                            </p:txEl>
+                                          </p:spTgt>
+                                        </p:tgtEl>
+                                        <p:attrNameLst>
+                                          <p:attrName>style.visibility</p:attrName>
+                                        </p:attrNameLst>
+                                      </p:cBhvr>
+                                      <p:to>
+                                        <p:strVal val="visible"/>
+                                      </p:to>
+                                    </p:set>
+                                  </p:childTnLst>
+                                </p:cTn>
+                              </p:par>
+                            </p:childTnLst>
+                          </p:cTn>
+                        </p:par>
+                      </p:childTnLst>
+                    </p:cTn>
+                  </p:par>
+                </p:childTnLst>
+              </p:cTn>
+              <p:prevCondLst>
+                <p:cond evt="onPrev" delay="0">
+                  <p:tgtEl>
+                    <p:sldTgt/>
+                  </p:tgtEl>
+                </p:cond>
+              </p:prevCondLst>
+              <p:nextCondLst>
+                <p:cond evt="onNext" delay="0">
+                  <p:tgtEl>
+                    <p:sldTgt/>
+                  </p:tgtEl>
+                </p:cond>
+              </p:nextCondLst>
+            </p:seq>
+          </p:childTnLst>
+        </p:cTn>
+      </p:par>
+    </p:tnLst>
+  </p:timing>
 </p:sld>
 </file>
 
@@ -16907,6 +17145,130 @@
   <p:clrMapOvr>
     <a:masterClrMapping/>
   </p:clrMapOvr>
+  <p:timing>
+    <p:tnLst>
+      <p:par>
+        <p:cTn xmlns:p14="http://schemas.microsoft.com/office/powerpoint/2010/main" id="1" dur="indefinite" restart="never" nodeType="tmRoot">
+          <p:childTnLst>
+            <p:seq concurrent="1" nextAc="seek">
+              <p:cTn id="2" dur="indefinite" nodeType="mainSeq">
+                <p:childTnLst>
+                  <p:par>
+                    <p:cTn id="3" fill="hold">
+                      <p:stCondLst>
+                        <p:cond delay="indefinite"/>
+                      </p:stCondLst>
+                      <p:childTnLst>
+                        <p:par>
+                          <p:cTn id="4" fill="hold">
+                            <p:stCondLst>
+                              <p:cond delay="0"/>
+                            </p:stCondLst>
+                            <p:childTnLst>
+                              <p:par>
+                                <p:cTn id="5" presetID="1" presetClass="entr" presetSubtype="0" fill="hold" nodeType="clickEffect">
+                                  <p:stCondLst>
+                                    <p:cond delay="0"/>
+                                  </p:stCondLst>
+                                  <p:childTnLst>
+                                    <p:set>
+                                      <p:cBhvr>
+                                        <p:cTn id="6" dur="1" fill="hold">
+                                          <p:stCondLst>
+                                            <p:cond delay="0"/>
+                                          </p:stCondLst>
+                                        </p:cTn>
+                                        <p:tgtEl>
+                                          <p:spTgt spid="3">
+                                            <p:txEl>
+                                              <p:pRg st="1" end="1"/>
+                                            </p:txEl>
+                                          </p:spTgt>
+                                        </p:tgtEl>
+                                        <p:attrNameLst>
+                                          <p:attrName>style.visibility</p:attrName>
+                                        </p:attrNameLst>
+                                      </p:cBhvr>
+                                      <p:to>
+                                        <p:strVal val="visible"/>
+                                      </p:to>
+                                    </p:set>
+                                  </p:childTnLst>
+                                </p:cTn>
+                              </p:par>
+                            </p:childTnLst>
+                          </p:cTn>
+                        </p:par>
+                      </p:childTnLst>
+                    </p:cTn>
+                  </p:par>
+                  <p:par>
+                    <p:cTn id="7" fill="hold">
+                      <p:stCondLst>
+                        <p:cond delay="indefinite"/>
+                      </p:stCondLst>
+                      <p:childTnLst>
+                        <p:par>
+                          <p:cTn id="8" fill="hold">
+                            <p:stCondLst>
+                              <p:cond delay="0"/>
+                            </p:stCondLst>
+                            <p:childTnLst>
+                              <p:par>
+                                <p:cTn id="9" presetID="1" presetClass="entr" presetSubtype="0" fill="hold" nodeType="clickEffect">
+                                  <p:stCondLst>
+                                    <p:cond delay="0"/>
+                                  </p:stCondLst>
+                                  <p:childTnLst>
+                                    <p:set>
+                                      <p:cBhvr>
+                                        <p:cTn id="10" dur="1" fill="hold">
+                                          <p:stCondLst>
+                                            <p:cond delay="0"/>
+                                          </p:stCondLst>
+                                        </p:cTn>
+                                        <p:tgtEl>
+                                          <p:spTgt spid="4"/>
+                                        </p:tgtEl>
+                                        <p:attrNameLst>
+                                          <p:attrName>style.visibility</p:attrName>
+                                        </p:attrNameLst>
+                                      </p:cBhvr>
+                                      <p:to>
+                                        <p:strVal val="visible"/>
+                                      </p:to>
+                                    </p:set>
+                                  </p:childTnLst>
+                                </p:cTn>
+                              </p:par>
+                            </p:childTnLst>
+                          </p:cTn>
+                        </p:par>
+                      </p:childTnLst>
+                    </p:cTn>
+                  </p:par>
+                </p:childTnLst>
+              </p:cTn>
+              <p:prevCondLst>
+                <p:cond evt="onPrev" delay="0">
+                  <p:tgtEl>
+                    <p:sldTgt/>
+                  </p:tgtEl>
+                </p:cond>
+              </p:prevCondLst>
+              <p:nextCondLst>
+                <p:cond evt="onNext" delay="0">
+                  <p:tgtEl>
+                    <p:sldTgt/>
+                  </p:tgtEl>
+                </p:cond>
+              </p:nextCondLst>
+            </p:seq>
+          </p:childTnLst>
+        </p:cTn>
+      </p:par>
+    </p:tnLst>
+  </p:timing>
 </p:sld>
 </file>
 
@@ -17122,6 +17484,13 @@
   <p:clrMapOvr>
     <a:masterClrMapping/>
   </p:clrMapOvr>
+  <p:timing>
+    <p:tnLst>
+      <p:par>
+        <p:cTn xmlns:p14="http://schemas.microsoft.com/office/powerpoint/2010/main" id="1" dur="indefinite" restart="never" nodeType="tmRoot"/>
+      </p:par>
+    </p:tnLst>
+  </p:timing>
 </p:sld>
 </file>
 
@@ -17285,6 +17654,13 @@
   <p:clrMapOvr>
     <a:masterClrMapping/>
   </p:clrMapOvr>
+  <p:timing>
+    <p:tnLst>
+      <p:par>
+        <p:cTn xmlns:p14="http://schemas.microsoft.com/office/powerpoint/2010/main" id="1" dur="indefinite" restart="never" nodeType="tmRoot"/>
+      </p:par>
+    </p:tnLst>
+  </p:timing>
 </p:sld>
 </file>
 
@@ -17352,7 +17728,15 @@
           <a:p>
             <a:r>
               <a:rPr lang="es-ES" dirty="0" smtClean="0"/>
-              <a:t>La tendencia desde las metodologías tradicionales que los módulos de alto nivel dependan de los módulos menores.</a:t>
+              <a:t>La tendencia desde las metodologías </a:t>
+            </a:r>
+            <a:r>
+              <a:rPr lang="es-ES" dirty="0" smtClean="0"/>
+              <a:t>tradicionales es </a:t>
+            </a:r>
+            <a:r>
+              <a:rPr lang="es-ES" dirty="0" smtClean="0"/>
+              <a:t>que los módulos de alto nivel dependan de los módulos menores.</a:t>
             </a:r>
           </a:p>
           <a:p>
@@ -17459,6 +17843,13 @@
   <p:clrMapOvr>
     <a:masterClrMapping/>
   </p:clrMapOvr>
+  <p:timing>
+    <p:tnLst>
+      <p:par>
+        <p:cTn xmlns:p14="http://schemas.microsoft.com/office/powerpoint/2010/main" id="1" dur="indefinite" restart="never" nodeType="tmRoot"/>
+      </p:par>
+    </p:tnLst>
+  </p:timing>
 </p:sld>
 </file>
 
@@ -17883,6 +18274,84 @@
   <p:clrMapOvr>
     <a:masterClrMapping/>
   </p:clrMapOvr>
+  <p:timing>
+    <p:tnLst>
+      <p:par>
+        <p:cTn xmlns:p14="http://schemas.microsoft.com/office/powerpoint/2010/main" id="1" dur="indefinite" restart="never" nodeType="tmRoot">
+          <p:childTnLst>
+            <p:seq concurrent="1" nextAc="seek">
+              <p:cTn id="2" dur="indefinite" nodeType="mainSeq">
+                <p:childTnLst>
+                  <p:par>
+                    <p:cTn id="3" fill="hold">
+                      <p:stCondLst>
+                        <p:cond delay="indefinite"/>
+                      </p:stCondLst>
+                      <p:childTnLst>
+                        <p:par>
+                          <p:cTn id="4" fill="hold">
+                            <p:stCondLst>
+                              <p:cond delay="0"/>
+                            </p:stCondLst>
+                            <p:childTnLst>
+                              <p:par>
+                                <p:cTn id="5" presetID="1" presetClass="entr" presetSubtype="0" fill="hold" grpId="0" nodeType="clickEffect">
+                                  <p:stCondLst>
+                                    <p:cond delay="0"/>
+                                  </p:stCondLst>
+                                  <p:childTnLst>
+                                    <p:set>
+                                      <p:cBhvr>
+                                        <p:cTn id="6" dur="1" fill="hold">
+                                          <p:stCondLst>
+                                            <p:cond delay="0"/>
+                                          </p:stCondLst>
+                                        </p:cTn>
+                                        <p:tgtEl>
+                                          <p:spTgt spid="21"/>
+                                        </p:tgtEl>
+                                        <p:attrNameLst>
+                                          <p:attrName>style.visibility</p:attrName>
+                                        </p:attrNameLst>
+                                      </p:cBhvr>
+                                      <p:to>
+                                        <p:strVal val="visible"/>
+                                      </p:to>
+                                    </p:set>
+                                  </p:childTnLst>
+                                </p:cTn>
+                              </p:par>
+                            </p:childTnLst>
+                          </p:cTn>
+                        </p:par>
+                      </p:childTnLst>
+                    </p:cTn>
+                  </p:par>
+                </p:childTnLst>
+              </p:cTn>
+              <p:prevCondLst>
+                <p:cond evt="onPrev" delay="0">
+                  <p:tgtEl>
+                    <p:sldTgt/>
+                  </p:tgtEl>
+                </p:cond>
+              </p:prevCondLst>
+              <p:nextCondLst>
+                <p:cond evt="onNext" delay="0">
+                  <p:tgtEl>
+                    <p:sldTgt/>
+                  </p:tgtEl>
+                </p:cond>
+              </p:nextCondLst>
+            </p:seq>
+          </p:childTnLst>
+        </p:cTn>
+      </p:par>
+    </p:tnLst>
+    <p:bldLst>
+      <p:bldP spid="21" grpId="0"/>
+    </p:bldLst>
+  </p:timing>
 </p:sld>
 </file>
 
@@ -18650,6 +19119,13 @@
   <p:clrMapOvr>
     <a:masterClrMapping/>
   </p:clrMapOvr>
+  <p:timing>
+    <p:tnLst>
+      <p:par>
+        <p:cTn xmlns:p14="http://schemas.microsoft.com/office/powerpoint/2010/main" id="1" dur="indefinite" restart="never" nodeType="tmRoot"/>
+      </p:par>
+    </p:tnLst>
+  </p:timing>
 </p:sld>
 </file>
 
@@ -19489,7 +19965,7 @@
   <a:extraClrSchemeLst/>
   <a:extLst>
     <a:ext uri="{05A4C25C-085E-4340-85A3-A5531E510DB2}">
-      <thm15:themeFamily xmlns="" xmlns:thm15="http://schemas.microsoft.com/office/thememl/2012/main" name="Office Theme" id="{62F939B6-93AF-4DB8-9C6B-D6C7DFDC589F}" vid="{4A3C46E8-61CC-4603-A589-7422A47A8E4A}"/>
+      <thm15:themeFamily xmlns:thm15="http://schemas.microsoft.com/office/thememl/2012/main" xmlns="" name="Office Theme" id="{62F939B6-93AF-4DB8-9C6B-D6C7DFDC589F}" vid="{4A3C46E8-61CC-4603-A589-7422A47A8E4A}"/>
     </a:ext>
   </a:extLst>
 </a:theme>
